--- a/CPP(2~12)/10_클래스_심화_2.pptx
+++ b/CPP(2~12)/10_클래스_심화_2.pptx
@@ -210,7 +210,7 @@
           <a:p>
             <a:fld id="{2229C11E-4EF0-425E-89BA-56B170901842}" type="datetimeFigureOut">
               <a:rPr lang="ko-KR" altLang="en-US" smtClean="0"/>
-              <a:t>2023-09-12</a:t>
+              <a:t>2024-01-26</a:t>
             </a:fld>
             <a:endParaRPr lang="ko-KR" altLang="en-US"/>
           </a:p>
@@ -1036,7 +1036,7 @@
           <a:p>
             <a:fld id="{9C6F2426-F011-4048-96E6-328581C59A1B}" type="datetimeFigureOut">
               <a:rPr lang="ko-KR" altLang="en-US" smtClean="0"/>
-              <a:t>2023-09-12</a:t>
+              <a:t>2024-01-26</a:t>
             </a:fld>
             <a:endParaRPr lang="ko-KR" altLang="en-US"/>
           </a:p>
@@ -1234,7 +1234,7 @@
           <a:p>
             <a:fld id="{9C6F2426-F011-4048-96E6-328581C59A1B}" type="datetimeFigureOut">
               <a:rPr lang="ko-KR" altLang="en-US" smtClean="0"/>
-              <a:t>2023-09-12</a:t>
+              <a:t>2024-01-26</a:t>
             </a:fld>
             <a:endParaRPr lang="ko-KR" altLang="en-US"/>
           </a:p>
@@ -1442,7 +1442,7 @@
           <a:p>
             <a:fld id="{9C6F2426-F011-4048-96E6-328581C59A1B}" type="datetimeFigureOut">
               <a:rPr lang="ko-KR" altLang="en-US" smtClean="0"/>
-              <a:t>2023-09-12</a:t>
+              <a:t>2024-01-26</a:t>
             </a:fld>
             <a:endParaRPr lang="ko-KR" altLang="en-US"/>
           </a:p>
@@ -1640,7 +1640,7 @@
           <a:p>
             <a:fld id="{9C6F2426-F011-4048-96E6-328581C59A1B}" type="datetimeFigureOut">
               <a:rPr lang="ko-KR" altLang="en-US" smtClean="0"/>
-              <a:t>2023-09-12</a:t>
+              <a:t>2024-01-26</a:t>
             </a:fld>
             <a:endParaRPr lang="ko-KR" altLang="en-US"/>
           </a:p>
@@ -1915,7 +1915,7 @@
           <a:p>
             <a:fld id="{9C6F2426-F011-4048-96E6-328581C59A1B}" type="datetimeFigureOut">
               <a:rPr lang="ko-KR" altLang="en-US" smtClean="0"/>
-              <a:t>2023-09-12</a:t>
+              <a:t>2024-01-26</a:t>
             </a:fld>
             <a:endParaRPr lang="ko-KR" altLang="en-US"/>
           </a:p>
@@ -2180,7 +2180,7 @@
           <a:p>
             <a:fld id="{9C6F2426-F011-4048-96E6-328581C59A1B}" type="datetimeFigureOut">
               <a:rPr lang="ko-KR" altLang="en-US" smtClean="0"/>
-              <a:t>2023-09-12</a:t>
+              <a:t>2024-01-26</a:t>
             </a:fld>
             <a:endParaRPr lang="ko-KR" altLang="en-US"/>
           </a:p>
@@ -2592,7 +2592,7 @@
           <a:p>
             <a:fld id="{9C6F2426-F011-4048-96E6-328581C59A1B}" type="datetimeFigureOut">
               <a:rPr lang="ko-KR" altLang="en-US" smtClean="0"/>
-              <a:t>2023-09-12</a:t>
+              <a:t>2024-01-26</a:t>
             </a:fld>
             <a:endParaRPr lang="ko-KR" altLang="en-US"/>
           </a:p>
@@ -2733,7 +2733,7 @@
           <a:p>
             <a:fld id="{9C6F2426-F011-4048-96E6-328581C59A1B}" type="datetimeFigureOut">
               <a:rPr lang="ko-KR" altLang="en-US" smtClean="0"/>
-              <a:t>2023-09-12</a:t>
+              <a:t>2024-01-26</a:t>
             </a:fld>
             <a:endParaRPr lang="ko-KR" altLang="en-US"/>
           </a:p>
@@ -2846,7 +2846,7 @@
           <a:p>
             <a:fld id="{9C6F2426-F011-4048-96E6-328581C59A1B}" type="datetimeFigureOut">
               <a:rPr lang="ko-KR" altLang="en-US" smtClean="0"/>
-              <a:t>2023-09-12</a:t>
+              <a:t>2024-01-26</a:t>
             </a:fld>
             <a:endParaRPr lang="ko-KR" altLang="en-US"/>
           </a:p>
@@ -3157,7 +3157,7 @@
           <a:p>
             <a:fld id="{9C6F2426-F011-4048-96E6-328581C59A1B}" type="datetimeFigureOut">
               <a:rPr lang="ko-KR" altLang="en-US" smtClean="0"/>
-              <a:t>2023-09-12</a:t>
+              <a:t>2024-01-26</a:t>
             </a:fld>
             <a:endParaRPr lang="ko-KR" altLang="en-US"/>
           </a:p>
@@ -3445,7 +3445,7 @@
           <a:p>
             <a:fld id="{9C6F2426-F011-4048-96E6-328581C59A1B}" type="datetimeFigureOut">
               <a:rPr lang="ko-KR" altLang="en-US" smtClean="0"/>
-              <a:t>2023-09-12</a:t>
+              <a:t>2024-01-26</a:t>
             </a:fld>
             <a:endParaRPr lang="ko-KR" altLang="en-US"/>
           </a:p>
@@ -3686,7 +3686,7 @@
           <a:p>
             <a:fld id="{9C6F2426-F011-4048-96E6-328581C59A1B}" type="datetimeFigureOut">
               <a:rPr lang="ko-KR" altLang="en-US" smtClean="0"/>
-              <a:t>2023-09-12</a:t>
+              <a:t>2024-01-26</a:t>
             </a:fld>
             <a:endParaRPr lang="ko-KR" altLang="en-US"/>
           </a:p>
@@ -4191,7 +4191,7 @@
               <a:rPr lang="en-US" altLang="ko-KR" b="1">
                 <a:latin typeface="Arial Rounded MT Bold" panose="020F0704030504030204" pitchFamily="34" charset="0"/>
               </a:rPr>
-              <a:t>3</a:t>
+              <a:t>4</a:t>
             </a:r>
             <a:r>
               <a:rPr lang="ko-KR" altLang="en-US" b="1">
